--- a/Slide/IPSJ全国大会スライド_福地.pptx
+++ b/Slide/IPSJ全国大会スライド_福地.pptx
@@ -5,7 +5,7 @@
     <p:sldMasterId id="2147483648" r:id="rId1"/>
   </p:sldMasterIdLst>
   <p:notesMasterIdLst>
-    <p:notesMasterId r:id="rId20"/>
+    <p:notesMasterId r:id="rId19"/>
   </p:notesMasterIdLst>
   <p:sldIdLst>
     <p:sldId id="259" r:id="rId2"/>
@@ -13,19 +13,18 @@
     <p:sldId id="267" r:id="rId4"/>
     <p:sldId id="269" r:id="rId5"/>
     <p:sldId id="268" r:id="rId6"/>
-    <p:sldId id="280" r:id="rId7"/>
-    <p:sldId id="282" r:id="rId8"/>
-    <p:sldId id="270" r:id="rId9"/>
-    <p:sldId id="271" r:id="rId10"/>
-    <p:sldId id="272" r:id="rId11"/>
-    <p:sldId id="273" r:id="rId12"/>
-    <p:sldId id="274" r:id="rId13"/>
-    <p:sldId id="275" r:id="rId14"/>
-    <p:sldId id="276" r:id="rId15"/>
-    <p:sldId id="279" r:id="rId16"/>
-    <p:sldId id="278" r:id="rId17"/>
-    <p:sldId id="277" r:id="rId18"/>
-    <p:sldId id="281" r:id="rId19"/>
+    <p:sldId id="282" r:id="rId7"/>
+    <p:sldId id="270" r:id="rId8"/>
+    <p:sldId id="271" r:id="rId9"/>
+    <p:sldId id="272" r:id="rId10"/>
+    <p:sldId id="273" r:id="rId11"/>
+    <p:sldId id="274" r:id="rId12"/>
+    <p:sldId id="275" r:id="rId13"/>
+    <p:sldId id="276" r:id="rId14"/>
+    <p:sldId id="279" r:id="rId15"/>
+    <p:sldId id="278" r:id="rId16"/>
+    <p:sldId id="277" r:id="rId17"/>
+    <p:sldId id="281" r:id="rId18"/>
   </p:sldIdLst>
   <p:sldSz cx="13004800" cy="9753600"/>
   <p:notesSz cx="6858000" cy="9144000"/>
@@ -2108,7 +2107,7 @@
           </a:ln>
           <a:extLst>
             <a:ext uri="{C572A759-6A51-4108-AA02-DFA0A04FC94B}">
-              <ma14:wrappingTextBoxFlag xmlns:ma14="http://schemas.microsoft.com/office/mac/drawingml/2011/main" xmlns:a14="http://schemas.microsoft.com/office/drawing/2010/main" xmlns:m="http://schemas.openxmlformats.org/officeDocument/2006/math" xmlns="" val="1"/>
+              <ma14:wrappingTextBoxFlag xmlns="" xmlns:m="http://schemas.openxmlformats.org/officeDocument/2006/math" xmlns:a14="http://schemas.microsoft.com/office/drawing/2010/main" xmlns:ma14="http://schemas.microsoft.com/office/mac/drawingml/2011/main" val="1"/>
             </a:ext>
           </a:extLst>
         </p:spPr>
@@ -2412,7 +2411,7 @@
           </a:ln>
           <a:extLst>
             <a:ext uri="{C572A759-6A51-4108-AA02-DFA0A04FC94B}">
-              <ma14:wrappingTextBoxFlag xmlns:ma14="http://schemas.microsoft.com/office/mac/drawingml/2011/main" xmlns:a14="http://schemas.microsoft.com/office/drawing/2010/main" xmlns:m="http://schemas.openxmlformats.org/officeDocument/2006/math" xmlns="" val="1"/>
+              <ma14:wrappingTextBoxFlag xmlns="" xmlns:m="http://schemas.openxmlformats.org/officeDocument/2006/math" xmlns:a14="http://schemas.microsoft.com/office/drawing/2010/main" xmlns:ma14="http://schemas.microsoft.com/office/mac/drawingml/2011/main" val="1"/>
             </a:ext>
           </a:extLst>
         </p:spPr>
@@ -2642,7 +2641,7 @@
           </a:ln>
           <a:extLst>
             <a:ext uri="{C572A759-6A51-4108-AA02-DFA0A04FC94B}">
-              <ma14:wrappingTextBoxFlag xmlns:ma14="http://schemas.microsoft.com/office/mac/drawingml/2011/main" xmlns:a14="http://schemas.microsoft.com/office/drawing/2010/main" xmlns:m="http://schemas.openxmlformats.org/officeDocument/2006/math" xmlns="" val="1"/>
+              <ma14:wrappingTextBoxFlag xmlns="" xmlns:m="http://schemas.openxmlformats.org/officeDocument/2006/math" xmlns:a14="http://schemas.microsoft.com/office/drawing/2010/main" xmlns:ma14="http://schemas.microsoft.com/office/mac/drawingml/2011/main" val="1"/>
             </a:ext>
           </a:extLst>
         </p:spPr>
@@ -5051,7 +5050,7 @@
           </a:ln>
           <a:extLst>
             <a:ext uri="{C572A759-6A51-4108-AA02-DFA0A04FC94B}">
-              <ma14:wrappingTextBoxFlag xmlns:ma14="http://schemas.microsoft.com/office/mac/drawingml/2011/main" xmlns:a14="http://schemas.microsoft.com/office/drawing/2010/main" xmlns:m="http://schemas.openxmlformats.org/officeDocument/2006/math" xmlns="" val="1"/>
+              <ma14:wrappingTextBoxFlag xmlns="" xmlns:m="http://schemas.openxmlformats.org/officeDocument/2006/math" xmlns:a14="http://schemas.microsoft.com/office/drawing/2010/main" xmlns:ma14="http://schemas.microsoft.com/office/mac/drawingml/2011/main" val="1"/>
             </a:ext>
           </a:extLst>
         </p:spPr>
@@ -5090,7 +5089,7 @@
           </a:ln>
           <a:extLst>
             <a:ext uri="{C572A759-6A51-4108-AA02-DFA0A04FC94B}">
-              <ma14:wrappingTextBoxFlag xmlns:ma14="http://schemas.microsoft.com/office/mac/drawingml/2011/main" xmlns:a14="http://schemas.microsoft.com/office/drawing/2010/main" xmlns:m="http://schemas.openxmlformats.org/officeDocument/2006/math" xmlns="" val="1"/>
+              <ma14:wrappingTextBoxFlag xmlns="" xmlns:m="http://schemas.openxmlformats.org/officeDocument/2006/math" xmlns:a14="http://schemas.microsoft.com/office/drawing/2010/main" xmlns:ma14="http://schemas.microsoft.com/office/mac/drawingml/2011/main" val="1"/>
             </a:ext>
           </a:extLst>
         </p:spPr>
@@ -6044,7 +6043,7 @@
           </a:ln>
           <a:extLst>
             <a:ext uri="{C572A759-6A51-4108-AA02-DFA0A04FC94B}">
-              <ma14:wrappingTextBoxFlag xmlns:ma14="http://schemas.microsoft.com/office/mac/drawingml/2011/main" xmlns:a14="http://schemas.microsoft.com/office/drawing/2010/main" xmlns:m="http://schemas.openxmlformats.org/officeDocument/2006/math" xmlns="" val="1"/>
+              <ma14:wrappingTextBoxFlag xmlns="" xmlns:m="http://schemas.openxmlformats.org/officeDocument/2006/math" xmlns:a14="http://schemas.microsoft.com/office/drawing/2010/main" xmlns:ma14="http://schemas.microsoft.com/office/mac/drawingml/2011/main" val="1"/>
             </a:ext>
           </a:extLst>
         </p:spPr>
@@ -6102,7 +6101,7 @@
           <a:effectLst/>
           <a:extLst>
             <a:ext uri="{C572A759-6A51-4108-AA02-DFA0A04FC94B}">
-              <ma14:wrappingTextBoxFlag xmlns:ma14="http://schemas.microsoft.com/office/mac/drawingml/2011/main" xmlns:a14="http://schemas.microsoft.com/office/drawing/2010/main" xmlns:m="http://schemas.openxmlformats.org/officeDocument/2006/math" xmlns="" val="1"/>
+              <ma14:wrappingTextBoxFlag xmlns="" xmlns:m="http://schemas.openxmlformats.org/officeDocument/2006/math" xmlns:a14="http://schemas.microsoft.com/office/drawing/2010/main" xmlns:ma14="http://schemas.microsoft.com/office/mac/drawingml/2011/main" val="1"/>
             </a:ext>
           </a:extLst>
         </p:spPr>
@@ -6160,135 +6159,6 @@
 </file>
 
 <file path=ppt/slides/slide10.xml><?xml version="1.0" encoding="utf-8"?>
-<p:sld xmlns:a="http://schemas.openxmlformats.org/drawingml/2006/main" xmlns:r="http://schemas.openxmlformats.org/officeDocument/2006/relationships" xmlns:p="http://schemas.openxmlformats.org/presentationml/2006/main">
-  <p:cSld>
-    <p:spTree>
-      <p:nvGrpSpPr>
-        <p:cNvPr id="1" name=""/>
-        <p:cNvGrpSpPr/>
-        <p:nvPr/>
-      </p:nvGrpSpPr>
-      <p:grpSpPr>
-        <a:xfrm>
-          <a:off x="0" y="0"/>
-          <a:ext cx="0" cy="0"/>
-          <a:chOff x="0" y="0"/>
-          <a:chExt cx="0" cy="0"/>
-        </a:xfrm>
-      </p:grpSpPr>
-      <p:sp>
-        <p:nvSpPr>
-          <p:cNvPr id="2" name="テキスト プレースホルダー 1">
-            <a:extLst>
-              <a:ext uri="{FF2B5EF4-FFF2-40B4-BE49-F238E27FC236}">
-                <a16:creationId xmlns:a16="http://schemas.microsoft.com/office/drawing/2014/main" id="{30D82132-D0C8-1A44-AAA3-5ED43A202A05}"/>
-              </a:ext>
-            </a:extLst>
-          </p:cNvPr>
-          <p:cNvSpPr>
-            <a:spLocks noGrp="1"/>
-          </p:cNvSpPr>
-          <p:nvPr>
-            <p:ph type="body" idx="1"/>
-          </p:nvPr>
-        </p:nvSpPr>
-        <p:spPr/>
-        <p:txBody>
-          <a:bodyPr/>
-          <a:lstStyle/>
-          <a:p>
-            <a:endParaRPr kumimoji="1" lang="ja-JP" altLang="en-US"/>
-          </a:p>
-        </p:txBody>
-      </p:sp>
-      <p:sp>
-        <p:nvSpPr>
-          <p:cNvPr id="3" name="タイトル 2">
-            <a:extLst>
-              <a:ext uri="{FF2B5EF4-FFF2-40B4-BE49-F238E27FC236}">
-                <a16:creationId xmlns:a16="http://schemas.microsoft.com/office/drawing/2014/main" id="{712B16BD-F43F-8940-979D-5FFFF01CFF1B}"/>
-              </a:ext>
-            </a:extLst>
-          </p:cNvPr>
-          <p:cNvSpPr>
-            <a:spLocks noGrp="1"/>
-          </p:cNvSpPr>
-          <p:nvPr>
-            <p:ph type="title"/>
-          </p:nvPr>
-        </p:nvSpPr>
-        <p:spPr/>
-        <p:txBody>
-          <a:bodyPr/>
-          <a:lstStyle/>
-          <a:p>
-            <a:r>
-              <a:rPr lang="ja-JP" altLang="en-US"/>
-              <a:t>提案手法</a:t>
-            </a:r>
-            <a:r>
-              <a:rPr kumimoji="1" lang="en-US" altLang="ja-JP" dirty="0"/>
-              <a:t>②</a:t>
-            </a:r>
-            <a:br>
-              <a:rPr kumimoji="1" lang="en-US" altLang="ja-JP" dirty="0"/>
-            </a:br>
-            <a:r>
-              <a:rPr kumimoji="1" lang="en-US" altLang="ja-JP" dirty="0"/>
-              <a:t>- </a:t>
-            </a:r>
-            <a:r>
-              <a:rPr kumimoji="1" lang="ja-JP" altLang="en-US"/>
-              <a:t>スプライトの移動方向を検出</a:t>
-            </a:r>
-          </a:p>
-        </p:txBody>
-      </p:sp>
-      <p:sp>
-        <p:nvSpPr>
-          <p:cNvPr id="4" name="スライド番号プレースホルダー 3">
-            <a:extLst>
-              <a:ext uri="{FF2B5EF4-FFF2-40B4-BE49-F238E27FC236}">
-                <a16:creationId xmlns:a16="http://schemas.microsoft.com/office/drawing/2014/main" id="{B18064DA-9D9D-4342-87A8-C2390F0857EA}"/>
-              </a:ext>
-            </a:extLst>
-          </p:cNvPr>
-          <p:cNvSpPr>
-            <a:spLocks noGrp="1"/>
-          </p:cNvSpPr>
-          <p:nvPr>
-            <p:ph type="sldNum" sz="quarter" idx="2"/>
-          </p:nvPr>
-        </p:nvSpPr>
-        <p:spPr/>
-        <p:txBody>
-          <a:bodyPr/>
-          <a:lstStyle/>
-          <a:p>
-            <a:fld id="{86CB4B4D-7CA3-9044-876B-883B54F8677D}" type="slidenum">
-              <a:rPr lang="en-US" altLang="ja-JP" smtClean="0"/>
-              <a:pPr/>
-              <a:t>10</a:t>
-            </a:fld>
-            <a:endParaRPr lang="en-US" altLang="ja-JP"/>
-          </a:p>
-        </p:txBody>
-      </p:sp>
-    </p:spTree>
-    <p:extLst>
-      <p:ext uri="{BB962C8B-B14F-4D97-AF65-F5344CB8AC3E}">
-        <p14:creationId xmlns:p14="http://schemas.microsoft.com/office/powerpoint/2010/main" val="3337388343"/>
-      </p:ext>
-    </p:extLst>
-  </p:cSld>
-  <p:clrMapOvr>
-    <a:masterClrMapping/>
-  </p:clrMapOvr>
-  <p:transition spd="med"/>
-</p:sld>
-</file>
-
-<file path=ppt/slides/slide11.xml><?xml version="1.0" encoding="utf-8"?>
 <p:sld xmlns:a="http://schemas.openxmlformats.org/drawingml/2006/main" xmlns:r="http://schemas.openxmlformats.org/officeDocument/2006/relationships" xmlns:p="http://schemas.openxmlformats.org/presentationml/2006/main">
   <p:cSld>
     <p:spTree>
@@ -6397,7 +6267,7 @@
             <a:fld id="{86CB4B4D-7CA3-9044-876B-883B54F8677D}" type="slidenum">
               <a:rPr lang="en-US" altLang="ja-JP" smtClean="0"/>
               <a:pPr/>
-              <a:t>11</a:t>
+              <a:t>10</a:t>
             </a:fld>
             <a:endParaRPr lang="en-US" altLang="ja-JP"/>
           </a:p>
@@ -6417,7 +6287,7 @@
 </p:sld>
 </file>
 
-<file path=ppt/slides/slide12.xml><?xml version="1.0" encoding="utf-8"?>
+<file path=ppt/slides/slide11.xml><?xml version="1.0" encoding="utf-8"?>
 <p:sld xmlns:a="http://schemas.openxmlformats.org/drawingml/2006/main" xmlns:r="http://schemas.openxmlformats.org/officeDocument/2006/relationships" xmlns:p="http://schemas.openxmlformats.org/presentationml/2006/main">
   <p:cSld>
     <p:spTree>
@@ -6526,7 +6396,7 @@
             <a:fld id="{86CB4B4D-7CA3-9044-876B-883B54F8677D}" type="slidenum">
               <a:rPr lang="en-US" altLang="ja-JP" smtClean="0"/>
               <a:pPr/>
-              <a:t>12</a:t>
+              <a:t>11</a:t>
             </a:fld>
             <a:endParaRPr lang="en-US" altLang="ja-JP"/>
           </a:p>
@@ -6546,7 +6416,7 @@
 </p:sld>
 </file>
 
-<file path=ppt/slides/slide13.xml><?xml version="1.0" encoding="utf-8"?>
+<file path=ppt/slides/slide12.xml><?xml version="1.0" encoding="utf-8"?>
 <p:sld xmlns:a="http://schemas.openxmlformats.org/drawingml/2006/main" xmlns:r="http://schemas.openxmlformats.org/officeDocument/2006/relationships" xmlns:p="http://schemas.openxmlformats.org/presentationml/2006/main">
   <p:cSld>
     <p:spTree>
@@ -6643,7 +6513,7 @@
             <a:fld id="{86CB4B4D-7CA3-9044-876B-883B54F8677D}" type="slidenum">
               <a:rPr lang="en-US" altLang="ja-JP" smtClean="0"/>
               <a:pPr/>
-              <a:t>13</a:t>
+              <a:t>12</a:t>
             </a:fld>
             <a:endParaRPr lang="en-US" altLang="ja-JP"/>
           </a:p>
@@ -6663,7 +6533,7 @@
 </p:sld>
 </file>
 
-<file path=ppt/slides/slide14.xml><?xml version="1.0" encoding="utf-8"?>
+<file path=ppt/slides/slide13.xml><?xml version="1.0" encoding="utf-8"?>
 <p:sld xmlns:a="http://schemas.openxmlformats.org/drawingml/2006/main" xmlns:r="http://schemas.openxmlformats.org/officeDocument/2006/relationships" xmlns:p="http://schemas.openxmlformats.org/presentationml/2006/main">
   <p:cSld>
     <p:spTree>
@@ -6786,7 +6656,7 @@
             <a:fld id="{86CB4B4D-7CA3-9044-876B-883B54F8677D}" type="slidenum">
               <a:rPr lang="en-US" altLang="ja-JP" smtClean="0"/>
               <a:pPr/>
-              <a:t>14</a:t>
+              <a:t>13</a:t>
             </a:fld>
             <a:endParaRPr lang="en-US" altLang="ja-JP"/>
           </a:p>
@@ -6885,7 +6755,7 @@
 </p:sld>
 </file>
 
-<file path=ppt/slides/slide15.xml><?xml version="1.0" encoding="utf-8"?>
+<file path=ppt/slides/slide14.xml><?xml version="1.0" encoding="utf-8"?>
 <p:sld xmlns:a="http://schemas.openxmlformats.org/drawingml/2006/main" xmlns:r="http://schemas.openxmlformats.org/officeDocument/2006/relationships" xmlns:p="http://schemas.openxmlformats.org/presentationml/2006/main">
   <p:cSld>
     <p:spTree>
@@ -6987,7 +6857,7 @@
             <a:fld id="{86CB4B4D-7CA3-9044-876B-883B54F8677D}" type="slidenum">
               <a:rPr lang="en-US" altLang="ja-JP" smtClean="0"/>
               <a:pPr/>
-              <a:t>15</a:t>
+              <a:t>14</a:t>
             </a:fld>
             <a:endParaRPr lang="en-US" altLang="ja-JP"/>
           </a:p>
@@ -7007,7 +6877,7 @@
 </p:sld>
 </file>
 
-<file path=ppt/slides/slide16.xml><?xml version="1.0" encoding="utf-8"?>
+<file path=ppt/slides/slide15.xml><?xml version="1.0" encoding="utf-8"?>
 <p:sld xmlns:a="http://schemas.openxmlformats.org/drawingml/2006/main" xmlns:r="http://schemas.openxmlformats.org/officeDocument/2006/relationships" xmlns:p="http://schemas.openxmlformats.org/presentationml/2006/main">
   <p:cSld>
     <p:spTree>
@@ -7101,7 +6971,7 @@
             <a:fld id="{86CB4B4D-7CA3-9044-876B-883B54F8677D}" type="slidenum">
               <a:rPr lang="en-US" altLang="ja-JP" smtClean="0"/>
               <a:pPr/>
-              <a:t>16</a:t>
+              <a:t>15</a:t>
             </a:fld>
             <a:endParaRPr lang="en-US" altLang="ja-JP"/>
           </a:p>
@@ -7121,7 +6991,7 @@
 </p:sld>
 </file>
 
-<file path=ppt/slides/slide17.xml><?xml version="1.0" encoding="utf-8"?>
+<file path=ppt/slides/slide16.xml><?xml version="1.0" encoding="utf-8"?>
 <p:sld xmlns:a="http://schemas.openxmlformats.org/drawingml/2006/main" xmlns:r="http://schemas.openxmlformats.org/officeDocument/2006/relationships" xmlns:p="http://schemas.openxmlformats.org/presentationml/2006/main">
   <p:cSld>
     <p:spTree>
@@ -7218,7 +7088,7 @@
             <a:fld id="{86CB4B4D-7CA3-9044-876B-883B54F8677D}" type="slidenum">
               <a:rPr lang="en-US" altLang="ja-JP" smtClean="0"/>
               <a:pPr/>
-              <a:t>17</a:t>
+              <a:t>16</a:t>
             </a:fld>
             <a:endParaRPr lang="en-US" altLang="ja-JP"/>
           </a:p>
@@ -7238,7 +7108,7 @@
 </p:sld>
 </file>
 
-<file path=ppt/slides/slide18.xml><?xml version="1.0" encoding="utf-8"?>
+<file path=ppt/slides/slide17.xml><?xml version="1.0" encoding="utf-8"?>
 <p:sld xmlns:a="http://schemas.openxmlformats.org/drawingml/2006/main" xmlns:r="http://schemas.openxmlformats.org/officeDocument/2006/relationships" xmlns:p="http://schemas.openxmlformats.org/presentationml/2006/main">
   <p:cSld>
     <p:spTree>
@@ -7332,7 +7202,7 @@
             <a:fld id="{86CB4B4D-7CA3-9044-876B-883B54F8677D}" type="slidenum">
               <a:rPr lang="en-US" altLang="ja-JP" smtClean="0"/>
               <a:pPr/>
-              <a:t>18</a:t>
+              <a:t>17</a:t>
             </a:fld>
             <a:endParaRPr lang="en-US" altLang="ja-JP"/>
           </a:p>
@@ -7395,7 +7265,7 @@
             </a:pPr>
             <a:r>
               <a:rPr lang="ja-JP" altLang="en-US"/>
-              <a:t>　プログラム中の命令処理を視覚的に表現した</a:t>
+              <a:t>プログラム中の命令処理を視覚的に表現した</a:t>
             </a:r>
             <a:r>
               <a:rPr kumimoji="1" lang="ja-JP" altLang="en-US"/>
@@ -8102,7 +7972,7 @@
             </a:pPr>
             <a:r>
               <a:rPr lang="ja-JP" altLang="en-US"/>
-              <a:t>　学習者は，公開されている既存プログラムを模倣することから学習を開始する</a:t>
+              <a:t>学習者は，公開されている既存プログラムを模倣することから学習を開始する</a:t>
             </a:r>
             <a:endParaRPr lang="en-US" altLang="ja-JP" dirty="0"/>
           </a:p>
@@ -8573,10 +8443,6 @@
             <a:pPr marL="0" indent="0">
               <a:buNone/>
             </a:pPr>
-            <a:r>
-              <a:rPr lang="ja-JP" altLang="en-US"/>
-              <a:t>　</a:t>
-            </a:r>
             <a:r>
               <a:rPr lang="en-US" altLang="ja-JP" dirty="0"/>
               <a:t>Scratch</a:t>
@@ -10038,7 +9904,7 @@
           <a:p>
             <a:r>
               <a:rPr kumimoji="1" lang="ja-JP" altLang="en-US"/>
-              <a:t>ざっくり流れを説明</a:t>
+              <a:t>この手法で，できること・できないこと（検出できるもの・できないもの）を説明</a:t>
             </a:r>
           </a:p>
         </p:txBody>
@@ -10140,7 +10006,7 @@
     </p:spTree>
     <p:extLst>
       <p:ext uri="{BB962C8B-B14F-4D97-AF65-F5344CB8AC3E}">
-        <p14:creationId xmlns:p14="http://schemas.microsoft.com/office/powerpoint/2010/main" val="980836107"/>
+        <p14:creationId xmlns:p14="http://schemas.microsoft.com/office/powerpoint/2010/main" val="2063216934"/>
       </p:ext>
     </p:extLst>
   </p:cSld>
@@ -10152,159 +10018,6 @@
 </file>
 
 <file path=ppt/slides/slide7.xml><?xml version="1.0" encoding="utf-8"?>
-<p:sld xmlns:a="http://schemas.openxmlformats.org/drawingml/2006/main" xmlns:r="http://schemas.openxmlformats.org/officeDocument/2006/relationships" xmlns:p="http://schemas.openxmlformats.org/presentationml/2006/main">
-  <p:cSld>
-    <p:spTree>
-      <p:nvGrpSpPr>
-        <p:cNvPr id="1" name=""/>
-        <p:cNvGrpSpPr/>
-        <p:nvPr/>
-      </p:nvGrpSpPr>
-      <p:grpSpPr>
-        <a:xfrm>
-          <a:off x="0" y="0"/>
-          <a:ext cx="0" cy="0"/>
-          <a:chOff x="0" y="0"/>
-          <a:chExt cx="0" cy="0"/>
-        </a:xfrm>
-      </p:grpSpPr>
-      <p:sp>
-        <p:nvSpPr>
-          <p:cNvPr id="2" name="テキスト プレースホルダー 1">
-            <a:extLst>
-              <a:ext uri="{FF2B5EF4-FFF2-40B4-BE49-F238E27FC236}">
-                <a16:creationId xmlns:a16="http://schemas.microsoft.com/office/drawing/2014/main" id="{D901C7C1-A9FE-2147-8769-0B1AF81A8835}"/>
-              </a:ext>
-            </a:extLst>
-          </p:cNvPr>
-          <p:cNvSpPr>
-            <a:spLocks noGrp="1"/>
-          </p:cNvSpPr>
-          <p:nvPr>
-            <p:ph type="body" idx="1"/>
-          </p:nvPr>
-        </p:nvSpPr>
-        <p:spPr/>
-        <p:txBody>
-          <a:bodyPr/>
-          <a:lstStyle/>
-          <a:p>
-            <a:r>
-              <a:rPr kumimoji="1" lang="ja-JP" altLang="en-US"/>
-              <a:t>この手法で，できること・できないこと（検出できるもの・できないもの）を説明</a:t>
-            </a:r>
-          </a:p>
-        </p:txBody>
-      </p:sp>
-      <p:sp>
-        <p:nvSpPr>
-          <p:cNvPr id="3" name="タイトル 2">
-            <a:extLst>
-              <a:ext uri="{FF2B5EF4-FFF2-40B4-BE49-F238E27FC236}">
-                <a16:creationId xmlns:a16="http://schemas.microsoft.com/office/drawing/2014/main" id="{9DD86505-C635-3F41-98DE-2C859DC247F6}"/>
-              </a:ext>
-            </a:extLst>
-          </p:cNvPr>
-          <p:cNvSpPr>
-            <a:spLocks noGrp="1"/>
-          </p:cNvSpPr>
-          <p:nvPr>
-            <p:ph type="title"/>
-          </p:nvPr>
-        </p:nvSpPr>
-        <p:spPr/>
-        <p:txBody>
-          <a:bodyPr/>
-          <a:lstStyle/>
-          <a:p>
-            <a:r>
-              <a:rPr kumimoji="1" lang="ja-JP" altLang="en-US"/>
-              <a:t>提案手法</a:t>
-            </a:r>
-          </a:p>
-        </p:txBody>
-      </p:sp>
-      <p:sp>
-        <p:nvSpPr>
-          <p:cNvPr id="4" name="スライド番号プレースホルダー 3">
-            <a:extLst>
-              <a:ext uri="{FF2B5EF4-FFF2-40B4-BE49-F238E27FC236}">
-                <a16:creationId xmlns:a16="http://schemas.microsoft.com/office/drawing/2014/main" id="{880DC5CA-D164-C844-8C89-EC4D698256A7}"/>
-              </a:ext>
-            </a:extLst>
-          </p:cNvPr>
-          <p:cNvSpPr>
-            <a:spLocks noGrp="1"/>
-          </p:cNvSpPr>
-          <p:nvPr>
-            <p:ph type="sldNum" sz="quarter" idx="2"/>
-          </p:nvPr>
-        </p:nvSpPr>
-        <p:spPr/>
-        <p:txBody>
-          <a:bodyPr/>
-          <a:lstStyle/>
-          <a:p>
-            <a:fld id="{86CB4B4D-7CA3-9044-876B-883B54F8677D}" type="slidenum">
-              <a:rPr lang="en-US" altLang="ja-JP" smtClean="0"/>
-              <a:pPr/>
-              <a:t>7</a:t>
-            </a:fld>
-            <a:endParaRPr lang="en-US" altLang="ja-JP"/>
-          </a:p>
-        </p:txBody>
-      </p:sp>
-      <p:pic>
-        <p:nvPicPr>
-          <p:cNvPr id="5" name="図 4">
-            <a:extLst>
-              <a:ext uri="{FF2B5EF4-FFF2-40B4-BE49-F238E27FC236}">
-                <a16:creationId xmlns:a16="http://schemas.microsoft.com/office/drawing/2014/main" id="{F1E7CD79-445A-2847-8BB9-57A546DC8858}"/>
-              </a:ext>
-            </a:extLst>
-          </p:cNvPr>
-          <p:cNvPicPr>
-            <a:picLocks noChangeAspect="1"/>
-          </p:cNvPicPr>
-          <p:nvPr/>
-        </p:nvPicPr>
-        <p:blipFill>
-          <a:blip r:embed="rId2">
-            <a:extLst>
-              <a:ext uri="{28A0092B-C50C-407E-A947-70E740481C1C}">
-                <a14:useLocalDpi xmlns:a14="http://schemas.microsoft.com/office/drawing/2010/main" val="0"/>
-              </a:ext>
-            </a:extLst>
-          </a:blip>
-          <a:stretch>
-            <a:fillRect/>
-          </a:stretch>
-        </p:blipFill>
-        <p:spPr>
-          <a:xfrm>
-            <a:off x="2157158" y="4375524"/>
-            <a:ext cx="8690483" cy="3157389"/>
-          </a:xfrm>
-          <a:prstGeom prst="rect">
-            <a:avLst/>
-          </a:prstGeom>
-        </p:spPr>
-      </p:pic>
-    </p:spTree>
-    <p:extLst>
-      <p:ext uri="{BB962C8B-B14F-4D97-AF65-F5344CB8AC3E}">
-        <p14:creationId xmlns:p14="http://schemas.microsoft.com/office/powerpoint/2010/main" val="2063216934"/>
-      </p:ext>
-    </p:extLst>
-  </p:cSld>
-  <p:clrMapOvr>
-    <a:masterClrMapping/>
-  </p:clrMapOvr>
-  <p:transition spd="med"/>
-</p:sld>
-</file>
-
-<file path=ppt/slides/slide8.xml><?xml version="1.0" encoding="utf-8"?>
 <p:sld xmlns:a="http://schemas.openxmlformats.org/drawingml/2006/main" xmlns:r="http://schemas.openxmlformats.org/officeDocument/2006/relationships" xmlns:p="http://schemas.openxmlformats.org/presentationml/2006/main">
   <p:cSld>
     <p:spTree>
@@ -10451,7 +10164,7 @@
             <a:fld id="{86CB4B4D-7CA3-9044-876B-883B54F8677D}" type="slidenum">
               <a:rPr lang="en-US" altLang="ja-JP" smtClean="0"/>
               <a:pPr/>
-              <a:t>8</a:t>
+              <a:t>7</a:t>
             </a:fld>
             <a:endParaRPr lang="en-US" altLang="ja-JP"/>
           </a:p>
@@ -10471,7 +10184,7 @@
 </p:sld>
 </file>
 
-<file path=ppt/slides/slide9.xml><?xml version="1.0" encoding="utf-8"?>
+<file path=ppt/slides/slide8.xml><?xml version="1.0" encoding="utf-8"?>
 <p:sld xmlns:a="http://schemas.openxmlformats.org/drawingml/2006/main" xmlns:r="http://schemas.openxmlformats.org/officeDocument/2006/relationships" xmlns:p="http://schemas.openxmlformats.org/presentationml/2006/main">
   <p:cSld>
     <p:spTree>
@@ -10510,9 +10223,18 @@
           <a:lstStyle/>
           <a:p>
             <a:r>
-              <a:rPr kumimoji="1" lang="ja-JP" altLang="en-US"/>
-              <a:t>詳しい手法の説明</a:t>
+              <a:rPr lang="en-US" altLang="ja-JP" dirty="0"/>
+              <a:t>Web</a:t>
             </a:r>
+            <a:r>
+              <a:rPr lang="ja-JP" altLang="en-US"/>
+              <a:t>アプリケーションの自動テストツール</a:t>
+            </a:r>
+            <a:r>
+              <a:rPr lang="en-US" altLang="ja-JP"/>
+              <a:t>Selenium</a:t>
+            </a:r>
+            <a:endParaRPr lang="en-US" altLang="ja-JP" dirty="0"/>
           </a:p>
         </p:txBody>
       </p:sp>
@@ -10584,6 +10306,135 @@
             <a:fld id="{86CB4B4D-7CA3-9044-876B-883B54F8677D}" type="slidenum">
               <a:rPr lang="en-US" altLang="ja-JP" smtClean="0"/>
               <a:pPr/>
+              <a:t>8</a:t>
+            </a:fld>
+            <a:endParaRPr lang="en-US" altLang="ja-JP"/>
+          </a:p>
+        </p:txBody>
+      </p:sp>
+    </p:spTree>
+    <p:extLst>
+      <p:ext uri="{BB962C8B-B14F-4D97-AF65-F5344CB8AC3E}">
+        <p14:creationId xmlns:p14="http://schemas.microsoft.com/office/powerpoint/2010/main" val="1113726983"/>
+      </p:ext>
+    </p:extLst>
+  </p:cSld>
+  <p:clrMapOvr>
+    <a:masterClrMapping/>
+  </p:clrMapOvr>
+  <p:transition spd="med"/>
+</p:sld>
+</file>
+
+<file path=ppt/slides/slide9.xml><?xml version="1.0" encoding="utf-8"?>
+<p:sld xmlns:a="http://schemas.openxmlformats.org/drawingml/2006/main" xmlns:r="http://schemas.openxmlformats.org/officeDocument/2006/relationships" xmlns:p="http://schemas.openxmlformats.org/presentationml/2006/main">
+  <p:cSld>
+    <p:spTree>
+      <p:nvGrpSpPr>
+        <p:cNvPr id="1" name=""/>
+        <p:cNvGrpSpPr/>
+        <p:nvPr/>
+      </p:nvGrpSpPr>
+      <p:grpSpPr>
+        <a:xfrm>
+          <a:off x="0" y="0"/>
+          <a:ext cx="0" cy="0"/>
+          <a:chOff x="0" y="0"/>
+          <a:chExt cx="0" cy="0"/>
+        </a:xfrm>
+      </p:grpSpPr>
+      <p:sp>
+        <p:nvSpPr>
+          <p:cNvPr id="2" name="テキスト プレースホルダー 1">
+            <a:extLst>
+              <a:ext uri="{FF2B5EF4-FFF2-40B4-BE49-F238E27FC236}">
+                <a16:creationId xmlns:a16="http://schemas.microsoft.com/office/drawing/2014/main" id="{30D82132-D0C8-1A44-AAA3-5ED43A202A05}"/>
+              </a:ext>
+            </a:extLst>
+          </p:cNvPr>
+          <p:cNvSpPr>
+            <a:spLocks noGrp="1"/>
+          </p:cNvSpPr>
+          <p:nvPr>
+            <p:ph type="body" idx="1"/>
+          </p:nvPr>
+        </p:nvSpPr>
+        <p:spPr/>
+        <p:txBody>
+          <a:bodyPr/>
+          <a:lstStyle/>
+          <a:p>
+            <a:endParaRPr kumimoji="1" lang="ja-JP" altLang="en-US"/>
+          </a:p>
+        </p:txBody>
+      </p:sp>
+      <p:sp>
+        <p:nvSpPr>
+          <p:cNvPr id="3" name="タイトル 2">
+            <a:extLst>
+              <a:ext uri="{FF2B5EF4-FFF2-40B4-BE49-F238E27FC236}">
+                <a16:creationId xmlns:a16="http://schemas.microsoft.com/office/drawing/2014/main" id="{712B16BD-F43F-8940-979D-5FFFF01CFF1B}"/>
+              </a:ext>
+            </a:extLst>
+          </p:cNvPr>
+          <p:cNvSpPr>
+            <a:spLocks noGrp="1"/>
+          </p:cNvSpPr>
+          <p:nvPr>
+            <p:ph type="title"/>
+          </p:nvPr>
+        </p:nvSpPr>
+        <p:spPr/>
+        <p:txBody>
+          <a:bodyPr/>
+          <a:lstStyle/>
+          <a:p>
+            <a:r>
+              <a:rPr lang="ja-JP" altLang="en-US"/>
+              <a:t>提案手法</a:t>
+            </a:r>
+            <a:r>
+              <a:rPr kumimoji="1" lang="en-US" altLang="ja-JP" dirty="0"/>
+              <a:t>②</a:t>
+            </a:r>
+            <a:br>
+              <a:rPr kumimoji="1" lang="en-US" altLang="ja-JP" dirty="0"/>
+            </a:br>
+            <a:r>
+              <a:rPr kumimoji="1" lang="en-US" altLang="ja-JP" dirty="0"/>
+              <a:t>- </a:t>
+            </a:r>
+            <a:r>
+              <a:rPr kumimoji="1" lang="ja-JP" altLang="en-US"/>
+              <a:t>スプライトの移動方向を検出</a:t>
+            </a:r>
+          </a:p>
+        </p:txBody>
+      </p:sp>
+      <p:sp>
+        <p:nvSpPr>
+          <p:cNvPr id="4" name="スライド番号プレースホルダー 3">
+            <a:extLst>
+              <a:ext uri="{FF2B5EF4-FFF2-40B4-BE49-F238E27FC236}">
+                <a16:creationId xmlns:a16="http://schemas.microsoft.com/office/drawing/2014/main" id="{B18064DA-9D9D-4342-87A8-C2390F0857EA}"/>
+              </a:ext>
+            </a:extLst>
+          </p:cNvPr>
+          <p:cNvSpPr>
+            <a:spLocks noGrp="1"/>
+          </p:cNvSpPr>
+          <p:nvPr>
+            <p:ph type="sldNum" sz="quarter" idx="2"/>
+          </p:nvPr>
+        </p:nvSpPr>
+        <p:spPr/>
+        <p:txBody>
+          <a:bodyPr/>
+          <a:lstStyle/>
+          <a:p>
+            <a:fld id="{86CB4B4D-7CA3-9044-876B-883B54F8677D}" type="slidenum">
+              <a:rPr lang="en-US" altLang="ja-JP" smtClean="0"/>
+              <a:pPr/>
               <a:t>9</a:t>
             </a:fld>
             <a:endParaRPr lang="en-US" altLang="ja-JP"/>
@@ -10593,7 +10444,7 @@
     </p:spTree>
     <p:extLst>
       <p:ext uri="{BB962C8B-B14F-4D97-AF65-F5344CB8AC3E}">
-        <p14:creationId xmlns:p14="http://schemas.microsoft.com/office/powerpoint/2010/main" val="1113726983"/>
+        <p14:creationId xmlns:p14="http://schemas.microsoft.com/office/powerpoint/2010/main" val="3337388343"/>
       </p:ext>
     </p:extLst>
   </p:cSld>
